--- a/Images/Figures_PPT/ComponentsMetamonadaPieChart.pptx
+++ b/Images/Figures_PPT/ComponentsMetamonadaPieChart.pptx
@@ -2661,7 +2661,7 @@
               </a:pathLst>
             </a:custGeom>
             <a:solidFill>
-              <a:srgbClr val="00BFC4">
+              <a:srgbClr val="9CC5A1">
                 <a:alpha val="100000"/>
               </a:srgbClr>
             </a:solidFill>
@@ -3253,7 +3253,7 @@
               </a:pathLst>
             </a:custGeom>
             <a:solidFill>
-              <a:srgbClr val="F8766D">
+              <a:srgbClr val="DACC3E">
                 <a:alpha val="100000"/>
               </a:srgbClr>
             </a:solidFill>

--- a/Images/Figures_PPT/ComponentsMetamonadaPieChart.pptx
+++ b/Images/Figures_PPT/ComponentsMetamonadaPieChart.pptx
@@ -2298,955 +2298,741 @@
           </p:nvSpPr>
           <p:spPr>
             <a:xfrm>
-              <a:off x="5486400" y="1749568"/>
-              <a:ext cx="2473432" cy="3501190"/>
+              <a:off x="3012875" y="1749568"/>
+              <a:ext cx="4947049" cy="4946871"/>
             </a:xfrm>
             <a:custGeom>
               <a:avLst/>
               <a:pathLst>
-                <a:path w="2473432" h="3501190">
+                <a:path w="4947049" h="4946871">
                   <a:moveTo>
-                    <a:pt x="0" y="2473613"/>
+                    <a:pt x="2473524" y="2473613"/>
                   </a:moveTo>
                   <a:lnTo>
-                    <a:pt x="77588" y="2509047"/>
-                  </a:lnTo>
-                  <a:lnTo>
-                    <a:pt x="155177" y="2544481"/>
-                  </a:lnTo>
-                  <a:lnTo>
-                    <a:pt x="232766" y="2579914"/>
-                  </a:lnTo>
-                  <a:lnTo>
-                    <a:pt x="310355" y="2615348"/>
-                  </a:lnTo>
-                  <a:lnTo>
-                    <a:pt x="387944" y="2650782"/>
-                  </a:lnTo>
-                  <a:lnTo>
-                    <a:pt x="465533" y="2686215"/>
-                  </a:lnTo>
-                  <a:lnTo>
-                    <a:pt x="543122" y="2721649"/>
-                  </a:lnTo>
-                  <a:lnTo>
-                    <a:pt x="620711" y="2757083"/>
-                  </a:lnTo>
-                  <a:lnTo>
-                    <a:pt x="698300" y="2792516"/>
-                  </a:lnTo>
-                  <a:lnTo>
-                    <a:pt x="775889" y="2827950"/>
-                  </a:lnTo>
-                  <a:lnTo>
-                    <a:pt x="853478" y="2863384"/>
-                  </a:lnTo>
-                  <a:lnTo>
-                    <a:pt x="931066" y="2898817"/>
-                  </a:lnTo>
-                  <a:lnTo>
-                    <a:pt x="1008655" y="2934251"/>
-                  </a:lnTo>
-                  <a:lnTo>
-                    <a:pt x="1086244" y="2969685"/>
-                  </a:lnTo>
-                  <a:lnTo>
-                    <a:pt x="1163833" y="3005118"/>
-                  </a:lnTo>
-                  <a:lnTo>
-                    <a:pt x="1241422" y="3040552"/>
-                  </a:lnTo>
-                  <a:lnTo>
-                    <a:pt x="1319011" y="3075986"/>
-                  </a:lnTo>
-                  <a:lnTo>
-                    <a:pt x="1396600" y="3111419"/>
-                  </a:lnTo>
-                  <a:lnTo>
-                    <a:pt x="1474189" y="3146853"/>
-                  </a:lnTo>
-                  <a:lnTo>
-                    <a:pt x="1551778" y="3182287"/>
-                  </a:lnTo>
-                  <a:lnTo>
-                    <a:pt x="1629367" y="3217720"/>
-                  </a:lnTo>
-                  <a:lnTo>
-                    <a:pt x="1706956" y="3253154"/>
-                  </a:lnTo>
-                  <a:lnTo>
-                    <a:pt x="1784544" y="3288588"/>
-                  </a:lnTo>
-                  <a:lnTo>
-                    <a:pt x="1862133" y="3324021"/>
-                  </a:lnTo>
-                  <a:lnTo>
-                    <a:pt x="1939722" y="3359455"/>
-                  </a:lnTo>
-                  <a:lnTo>
-                    <a:pt x="2017311" y="3394889"/>
-                  </a:lnTo>
-                  <a:lnTo>
-                    <a:pt x="2094900" y="3430322"/>
-                  </a:lnTo>
-                  <a:lnTo>
-                    <a:pt x="2172489" y="3465756"/>
-                  </a:lnTo>
-                  <a:lnTo>
-                    <a:pt x="2250078" y="3501190"/>
-                  </a:lnTo>
-                  <a:lnTo>
-                    <a:pt x="2283599" y="3424371"/>
-                  </a:lnTo>
-                  <a:lnTo>
-                    <a:pt x="2314498" y="3346461"/>
-                  </a:lnTo>
-                  <a:lnTo>
-                    <a:pt x="2342740" y="3267549"/>
-                  </a:lnTo>
-                  <a:lnTo>
-                    <a:pt x="2368292" y="3187726"/>
-                  </a:lnTo>
-                  <a:lnTo>
-                    <a:pt x="2391125" y="3107082"/>
-                  </a:lnTo>
-                  <a:lnTo>
-                    <a:pt x="2411214" y="3025712"/>
-                  </a:lnTo>
-                  <a:lnTo>
-                    <a:pt x="2428534" y="2943707"/>
-                  </a:lnTo>
-                  <a:lnTo>
-                    <a:pt x="2443065" y="2861163"/>
-                  </a:lnTo>
-                  <a:lnTo>
-                    <a:pt x="2454792" y="2778174"/>
-                  </a:lnTo>
-                  <a:lnTo>
-                    <a:pt x="2463701" y="2694835"/>
-                  </a:lnTo>
-                  <a:lnTo>
-                    <a:pt x="2469782" y="2611243"/>
-                  </a:lnTo>
-                  <a:lnTo>
-                    <a:pt x="2473027" y="2527492"/>
-                  </a:lnTo>
-                  <a:lnTo>
-                    <a:pt x="2473432" y="2443679"/>
-                  </a:lnTo>
-                  <a:lnTo>
-                    <a:pt x="2470998" y="2359901"/>
-                  </a:lnTo>
-                  <a:lnTo>
-                    <a:pt x="2465728" y="2276253"/>
-                  </a:lnTo>
-                  <a:lnTo>
-                    <a:pt x="2457626" y="2192832"/>
-                  </a:lnTo>
-                  <a:lnTo>
-                    <a:pt x="2446703" y="2109734"/>
-                  </a:lnTo>
-                  <a:lnTo>
-                    <a:pt x="2432971" y="2027053"/>
-                  </a:lnTo>
-                  <a:lnTo>
-                    <a:pt x="2416446" y="1944884"/>
-                  </a:lnTo>
-                  <a:lnTo>
-                    <a:pt x="2397146" y="1863323"/>
-                  </a:lnTo>
-                  <a:lnTo>
-                    <a:pt x="2375094" y="1782462"/>
-                  </a:lnTo>
-                  <a:lnTo>
-                    <a:pt x="2350316" y="1702395"/>
-                  </a:lnTo>
-                  <a:lnTo>
-                    <a:pt x="2322840" y="1623213"/>
-                  </a:lnTo>
-                  <a:lnTo>
-                    <a:pt x="2292696" y="1545008"/>
-                  </a:lnTo>
-                  <a:lnTo>
-                    <a:pt x="2259921" y="1467869"/>
-                  </a:lnTo>
-                  <a:lnTo>
-                    <a:pt x="2224551" y="1391884"/>
-                  </a:lnTo>
-                  <a:lnTo>
-                    <a:pt x="2186627" y="1317141"/>
-                  </a:lnTo>
-                  <a:lnTo>
-                    <a:pt x="2146192" y="1243726"/>
-                  </a:lnTo>
-                  <a:lnTo>
-                    <a:pt x="2103294" y="1171723"/>
-                  </a:lnTo>
-                  <a:lnTo>
-                    <a:pt x="2057981" y="1101214"/>
-                  </a:lnTo>
-                  <a:lnTo>
-                    <a:pt x="2010305" y="1032282"/>
-                  </a:lnTo>
-                  <a:lnTo>
-                    <a:pt x="1960321" y="965003"/>
-                  </a:lnTo>
-                  <a:lnTo>
-                    <a:pt x="1908087" y="899457"/>
-                  </a:lnTo>
-                  <a:lnTo>
-                    <a:pt x="1853662" y="835718"/>
-                  </a:lnTo>
-                  <a:lnTo>
-                    <a:pt x="1797109" y="773860"/>
-                  </a:lnTo>
-                  <a:lnTo>
-                    <a:pt x="1738493" y="713953"/>
-                  </a:lnTo>
-                  <a:lnTo>
-                    <a:pt x="1677881" y="656066"/>
-                  </a:lnTo>
-                  <a:lnTo>
-                    <a:pt x="1615343" y="600266"/>
-                  </a:lnTo>
-                  <a:lnTo>
-                    <a:pt x="1550950" y="546616"/>
-                  </a:lnTo>
-                  <a:lnTo>
-                    <a:pt x="1484776" y="495179"/>
-                  </a:lnTo>
-                  <a:lnTo>
-                    <a:pt x="1416898" y="446013"/>
-                  </a:lnTo>
-                  <a:lnTo>
-                    <a:pt x="1347394" y="399175"/>
-                  </a:lnTo>
-                  <a:lnTo>
-                    <a:pt x="1276342" y="354718"/>
-                  </a:lnTo>
-                  <a:lnTo>
-                    <a:pt x="1203825" y="312695"/>
-                  </a:lnTo>
-                  <a:lnTo>
-                    <a:pt x="1129926" y="273152"/>
-                  </a:lnTo>
-                  <a:lnTo>
-                    <a:pt x="1054730" y="236135"/>
-                  </a:lnTo>
-                  <a:lnTo>
-                    <a:pt x="978322" y="201687"/>
-                  </a:lnTo>
-                  <a:lnTo>
-                    <a:pt x="900792" y="169847"/>
-                  </a:lnTo>
-                  <a:lnTo>
-                    <a:pt x="822228" y="140653"/>
-                  </a:lnTo>
-                  <a:lnTo>
-                    <a:pt x="742719" y="114136"/>
-                  </a:lnTo>
-                  <a:lnTo>
-                    <a:pt x="662358" y="90329"/>
-                  </a:lnTo>
-                  <a:lnTo>
-                    <a:pt x="581236" y="69257"/>
-                  </a:lnTo>
-                  <a:lnTo>
-                    <a:pt x="499448" y="50946"/>
-                  </a:lnTo>
-                  <a:lnTo>
-                    <a:pt x="417085" y="35416"/>
-                  </a:lnTo>
-                  <a:lnTo>
-                    <a:pt x="334244" y="22686"/>
-                  </a:lnTo>
-                  <a:lnTo>
-                    <a:pt x="251019" y="12769"/>
-                  </a:lnTo>
-                  <a:lnTo>
-                    <a:pt x="167506" y="5678"/>
-                  </a:lnTo>
-                  <a:lnTo>
-                    <a:pt x="83801" y="1419"/>
-                  </a:lnTo>
-                  <a:lnTo>
-                    <a:pt x="0" y="0"/>
-                  </a:lnTo>
-                  <a:lnTo>
-                    <a:pt x="0" y="85297"/>
-                  </a:lnTo>
-                  <a:lnTo>
-                    <a:pt x="0" y="170594"/>
-                  </a:lnTo>
-                  <a:lnTo>
-                    <a:pt x="0" y="255891"/>
-                  </a:lnTo>
-                  <a:lnTo>
-                    <a:pt x="0" y="341188"/>
-                  </a:lnTo>
-                  <a:lnTo>
-                    <a:pt x="0" y="426485"/>
-                  </a:lnTo>
-                  <a:lnTo>
-                    <a:pt x="0" y="511782"/>
-                  </a:lnTo>
-                  <a:lnTo>
-                    <a:pt x="0" y="597079"/>
-                  </a:lnTo>
-                  <a:lnTo>
-                    <a:pt x="0" y="682376"/>
-                  </a:lnTo>
-                  <a:lnTo>
-                    <a:pt x="0" y="767673"/>
-                  </a:lnTo>
-                  <a:lnTo>
-                    <a:pt x="0" y="852970"/>
-                  </a:lnTo>
-                  <a:lnTo>
-                    <a:pt x="0" y="938267"/>
-                  </a:lnTo>
-                  <a:lnTo>
-                    <a:pt x="0" y="1023564"/>
-                  </a:lnTo>
-                  <a:lnTo>
-                    <a:pt x="0" y="1108861"/>
-                  </a:lnTo>
-                  <a:lnTo>
-                    <a:pt x="0" y="1194158"/>
-                  </a:lnTo>
-                  <a:lnTo>
-                    <a:pt x="0" y="1279455"/>
-                  </a:lnTo>
-                  <a:lnTo>
-                    <a:pt x="0" y="1364752"/>
-                  </a:lnTo>
-                  <a:lnTo>
-                    <a:pt x="0" y="1450049"/>
-                  </a:lnTo>
-                  <a:lnTo>
-                    <a:pt x="0" y="1535346"/>
-                  </a:lnTo>
-                  <a:lnTo>
-                    <a:pt x="0" y="1620643"/>
-                  </a:lnTo>
-                  <a:lnTo>
-                    <a:pt x="0" y="1705940"/>
-                  </a:lnTo>
-                  <a:lnTo>
-                    <a:pt x="0" y="1791237"/>
-                  </a:lnTo>
-                  <a:lnTo>
-                    <a:pt x="0" y="1876534"/>
-                  </a:lnTo>
-                  <a:lnTo>
-                    <a:pt x="0" y="1961831"/>
-                  </a:lnTo>
-                  <a:lnTo>
-                    <a:pt x="0" y="2047128"/>
-                  </a:lnTo>
-                  <a:lnTo>
-                    <a:pt x="0" y="2132425"/>
-                  </a:lnTo>
-                  <a:lnTo>
-                    <a:pt x="0" y="2217722"/>
-                  </a:lnTo>
-                  <a:lnTo>
-                    <a:pt x="0" y="2303019"/>
-                  </a:lnTo>
-                  <a:lnTo>
-                    <a:pt x="0" y="2388316"/>
-                  </a:lnTo>
-                  <a:close/>
-                </a:path>
-              </a:pathLst>
-            </a:custGeom>
-            <a:solidFill>
-              <a:srgbClr val="9CC5A1">
-                <a:alpha val="100000"/>
-              </a:srgbClr>
-            </a:solidFill>
-            <a:ln w="13550" cap="flat">
-              <a:solidFill>
-                <a:srgbClr val="000000">
-                  <a:alpha val="100000"/>
-                </a:srgbClr>
-              </a:solidFill>
-              <a:prstDash val="solid"/>
-              <a:miter/>
-            </a:ln>
-          </p:spPr>
-          <p:txBody>
-            <a:bodyPr/>
-            <a:lstStyle/>
-            <a:p/>
-          </p:txBody>
-        </p:sp>
-        <p:sp>
-          <p:nvSpPr>
-            <p:cNvPr id="6" name="pg5"/>
-            <p:cNvSpPr/>
-            <p:nvPr/>
-          </p:nvSpPr>
-          <p:spPr>
-            <a:xfrm>
-              <a:off x="3012843" y="1749568"/>
-              <a:ext cx="4723635" cy="4946999"/>
-            </a:xfrm>
-            <a:custGeom>
-              <a:avLst/>
-              <a:pathLst>
-                <a:path w="4723635" h="4946999">
-                  <a:moveTo>
-                    <a:pt x="2473556" y="2473613"/>
-                  </a:moveTo>
-                  <a:lnTo>
-                    <a:pt x="2473556" y="2388316"/>
-                  </a:lnTo>
-                  <a:lnTo>
-                    <a:pt x="2473556" y="2303019"/>
-                  </a:lnTo>
-                  <a:lnTo>
-                    <a:pt x="2473556" y="2217722"/>
-                  </a:lnTo>
-                  <a:lnTo>
-                    <a:pt x="2473556" y="2132425"/>
-                  </a:lnTo>
-                  <a:lnTo>
-                    <a:pt x="2473556" y="2047128"/>
-                  </a:lnTo>
-                  <a:lnTo>
-                    <a:pt x="2473556" y="1961831"/>
-                  </a:lnTo>
-                  <a:lnTo>
-                    <a:pt x="2473556" y="1876534"/>
-                  </a:lnTo>
-                  <a:lnTo>
-                    <a:pt x="2473556" y="1791237"/>
-                  </a:lnTo>
-                  <a:lnTo>
-                    <a:pt x="2473556" y="1705940"/>
-                  </a:lnTo>
-                  <a:lnTo>
-                    <a:pt x="2473556" y="1620643"/>
-                  </a:lnTo>
-                  <a:lnTo>
-                    <a:pt x="2473556" y="1535346"/>
-                  </a:lnTo>
-                  <a:lnTo>
-                    <a:pt x="2473556" y="1450049"/>
-                  </a:lnTo>
-                  <a:lnTo>
-                    <a:pt x="2473556" y="1364752"/>
-                  </a:lnTo>
-                  <a:lnTo>
-                    <a:pt x="2473556" y="1279455"/>
-                  </a:lnTo>
-                  <a:lnTo>
-                    <a:pt x="2473556" y="1194158"/>
-                  </a:lnTo>
-                  <a:lnTo>
-                    <a:pt x="2473556" y="1108861"/>
-                  </a:lnTo>
-                  <a:lnTo>
-                    <a:pt x="2473556" y="1023564"/>
-                  </a:lnTo>
-                  <a:lnTo>
-                    <a:pt x="2473556" y="938267"/>
-                  </a:lnTo>
-                  <a:lnTo>
-                    <a:pt x="2473556" y="852970"/>
-                  </a:lnTo>
-                  <a:lnTo>
-                    <a:pt x="2473556" y="767673"/>
-                  </a:lnTo>
-                  <a:lnTo>
-                    <a:pt x="2473556" y="682376"/>
-                  </a:lnTo>
-                  <a:lnTo>
-                    <a:pt x="2473556" y="597079"/>
-                  </a:lnTo>
-                  <a:lnTo>
-                    <a:pt x="2473556" y="511782"/>
-                  </a:lnTo>
-                  <a:lnTo>
-                    <a:pt x="2473556" y="426485"/>
-                  </a:lnTo>
-                  <a:lnTo>
-                    <a:pt x="2473556" y="341188"/>
-                  </a:lnTo>
-                  <a:lnTo>
-                    <a:pt x="2473556" y="255891"/>
-                  </a:lnTo>
-                  <a:lnTo>
-                    <a:pt x="2473556" y="170594"/>
-                  </a:lnTo>
-                  <a:lnTo>
-                    <a:pt x="2473556" y="85297"/>
-                  </a:lnTo>
-                  <a:lnTo>
-                    <a:pt x="2473556" y="0"/>
-                  </a:lnTo>
-                  <a:lnTo>
-                    <a:pt x="2389470" y="1429"/>
-                  </a:lnTo>
-                  <a:lnTo>
-                    <a:pt x="2305480" y="5716"/>
-                  </a:lnTo>
-                  <a:lnTo>
-                    <a:pt x="2221685" y="12856"/>
-                  </a:lnTo>
-                  <a:lnTo>
-                    <a:pt x="2138182" y="22840"/>
-                  </a:lnTo>
-                  <a:lnTo>
-                    <a:pt x="2055065" y="35657"/>
-                  </a:lnTo>
-                  <a:lnTo>
-                    <a:pt x="1972433" y="51292"/>
-                  </a:lnTo>
-                  <a:lnTo>
-                    <a:pt x="1890380" y="69727"/>
-                  </a:lnTo>
-                  <a:lnTo>
-                    <a:pt x="1809000" y="90940"/>
-                  </a:lnTo>
-                  <a:lnTo>
-                    <a:pt x="1728389" y="114908"/>
-                  </a:lnTo>
-                  <a:lnTo>
-                    <a:pt x="1648640" y="141602"/>
-                  </a:lnTo>
-                  <a:lnTo>
-                    <a:pt x="1569844" y="170991"/>
-                  </a:lnTo>
-                  <a:lnTo>
-                    <a:pt x="1492092" y="203042"/>
-                  </a:lnTo>
-                  <a:lnTo>
-                    <a:pt x="1415475" y="237718"/>
-                  </a:lnTo>
-                  <a:lnTo>
-                    <a:pt x="1340081" y="274978"/>
-                  </a:lnTo>
-                  <a:lnTo>
-                    <a:pt x="1265997" y="314779"/>
-                  </a:lnTo>
-                  <a:lnTo>
-                    <a:pt x="1193309" y="357076"/>
-                  </a:lnTo>
-                  <a:lnTo>
-                    <a:pt x="1122100" y="401819"/>
-                  </a:lnTo>
-                  <a:lnTo>
-                    <a:pt x="1052454" y="448957"/>
-                  </a:lnTo>
-                  <a:lnTo>
-                    <a:pt x="984450" y="498435"/>
-                  </a:lnTo>
-                  <a:lnTo>
-                    <a:pt x="918168" y="550196"/>
-                  </a:lnTo>
-                  <a:lnTo>
-                    <a:pt x="853684" y="604181"/>
-                  </a:lnTo>
-                  <a:lnTo>
-                    <a:pt x="791071" y="660326"/>
-                  </a:lnTo>
-                  <a:lnTo>
-                    <a:pt x="730404" y="718567"/>
-                  </a:lnTo>
-                  <a:lnTo>
-                    <a:pt x="671752" y="778837"/>
-                  </a:lnTo>
-                  <a:lnTo>
-                    <a:pt x="615182" y="841066"/>
-                  </a:lnTo>
-                  <a:lnTo>
-                    <a:pt x="560760" y="905182"/>
-                  </a:lnTo>
-                  <a:lnTo>
-                    <a:pt x="508549" y="971111"/>
-                  </a:lnTo>
-                  <a:lnTo>
-                    <a:pt x="458610" y="1038777"/>
-                  </a:lnTo>
-                  <a:lnTo>
-                    <a:pt x="410999" y="1108101"/>
-                  </a:lnTo>
-                  <a:lnTo>
-                    <a:pt x="365773" y="1179003"/>
-                  </a:lnTo>
-                  <a:lnTo>
-                    <a:pt x="322983" y="1251402"/>
-                  </a:lnTo>
-                  <a:lnTo>
-                    <a:pt x="282679" y="1325214"/>
-                  </a:lnTo>
-                  <a:lnTo>
-                    <a:pt x="244907" y="1400353"/>
-                  </a:lnTo>
-                  <a:lnTo>
-                    <a:pt x="209711" y="1476732"/>
-                  </a:lnTo>
-                  <a:lnTo>
-                    <a:pt x="177132" y="1554264"/>
-                  </a:lnTo>
-                  <a:lnTo>
-                    <a:pt x="147208" y="1632859"/>
-                  </a:lnTo>
-                  <a:lnTo>
-                    <a:pt x="119972" y="1712425"/>
-                  </a:lnTo>
-                  <a:lnTo>
-                    <a:pt x="95457" y="1792871"/>
-                  </a:lnTo>
-                  <a:lnTo>
-                    <a:pt x="73691" y="1874104"/>
-                  </a:lnTo>
-                  <a:lnTo>
-                    <a:pt x="54698" y="1956030"/>
-                  </a:lnTo>
-                  <a:lnTo>
-                    <a:pt x="38502" y="2038554"/>
-                  </a:lnTo>
-                  <a:lnTo>
-                    <a:pt x="25120" y="2121581"/>
-                  </a:lnTo>
-                  <a:lnTo>
-                    <a:pt x="14568" y="2205016"/>
-                  </a:lnTo>
-                  <a:lnTo>
-                    <a:pt x="6859" y="2288760"/>
-                  </a:lnTo>
-                  <a:lnTo>
-                    <a:pt x="2001" y="2372718"/>
-                  </a:lnTo>
-                  <a:lnTo>
-                    <a:pt x="0" y="2456793"/>
-                  </a:lnTo>
-                  <a:lnTo>
-                    <a:pt x="857" y="2540887"/>
-                  </a:lnTo>
-                  <a:lnTo>
-                    <a:pt x="4573" y="2624904"/>
-                  </a:lnTo>
-                  <a:lnTo>
-                    <a:pt x="11143" y="2708745"/>
-                  </a:lnTo>
-                  <a:lnTo>
-                    <a:pt x="20559" y="2792315"/>
-                  </a:lnTo>
-                  <a:lnTo>
-                    <a:pt x="32811" y="2875517"/>
-                  </a:lnTo>
-                  <a:lnTo>
-                    <a:pt x="47883" y="2958254"/>
-                  </a:lnTo>
-                  <a:lnTo>
-                    <a:pt x="65760" y="3040430"/>
-                  </a:lnTo>
-                  <a:lnTo>
-                    <a:pt x="86419" y="3121952"/>
-                  </a:lnTo>
-                  <a:lnTo>
-                    <a:pt x="109838" y="3202724"/>
-                  </a:lnTo>
-                  <a:lnTo>
-                    <a:pt x="135989" y="3282653"/>
-                  </a:lnTo>
-                  <a:lnTo>
-                    <a:pt x="164842" y="3361648"/>
-                  </a:lnTo>
-                  <a:lnTo>
-                    <a:pt x="196364" y="3439615"/>
-                  </a:lnTo>
-                  <a:lnTo>
-                    <a:pt x="230517" y="3516466"/>
-                  </a:lnTo>
-                  <a:lnTo>
-                    <a:pt x="267264" y="3592112"/>
-                  </a:lnTo>
-                  <a:lnTo>
-                    <a:pt x="306560" y="3666465"/>
-                  </a:lnTo>
-                  <a:lnTo>
-                    <a:pt x="348362" y="3739439"/>
-                  </a:lnTo>
-                  <a:lnTo>
-                    <a:pt x="392620" y="3810950"/>
-                  </a:lnTo>
-                  <a:lnTo>
-                    <a:pt x="439283" y="3880915"/>
-                  </a:lnTo>
-                  <a:lnTo>
-                    <a:pt x="488298" y="3949254"/>
-                  </a:lnTo>
-                  <a:lnTo>
-                    <a:pt x="539607" y="4015886"/>
-                  </a:lnTo>
-                  <a:lnTo>
-                    <a:pt x="593152" y="4080737"/>
-                  </a:lnTo>
-                  <a:lnTo>
-                    <a:pt x="648870" y="4143729"/>
-                  </a:lnTo>
-                  <a:lnTo>
-                    <a:pt x="706697" y="4204791"/>
-                  </a:lnTo>
-                  <a:lnTo>
-                    <a:pt x="766567" y="4263852"/>
-                  </a:lnTo>
-                  <a:lnTo>
-                    <a:pt x="828410" y="4320844"/>
-                  </a:lnTo>
-                  <a:lnTo>
-                    <a:pt x="892154" y="4375700"/>
-                  </a:lnTo>
-                  <a:lnTo>
-                    <a:pt x="957727" y="4428358"/>
-                  </a:lnTo>
-                  <a:lnTo>
-                    <a:pt x="1025051" y="4478756"/>
-                  </a:lnTo>
-                  <a:lnTo>
-                    <a:pt x="1094050" y="4526837"/>
-                  </a:lnTo>
-                  <a:lnTo>
-                    <a:pt x="1164643" y="4572545"/>
-                  </a:lnTo>
-                  <a:lnTo>
-                    <a:pt x="1236749" y="4615826"/>
-                  </a:lnTo>
-                  <a:lnTo>
-                    <a:pt x="1310285" y="4656631"/>
-                  </a:lnTo>
-                  <a:lnTo>
-                    <a:pt x="1385166" y="4694913"/>
-                  </a:lnTo>
-                  <a:lnTo>
-                    <a:pt x="1461304" y="4730627"/>
-                  </a:lnTo>
-                  <a:lnTo>
-                    <a:pt x="1538613" y="4763733"/>
-                  </a:lnTo>
-                  <a:lnTo>
-                    <a:pt x="1617002" y="4794191"/>
-                  </a:lnTo>
-                  <a:lnTo>
-                    <a:pt x="1696381" y="4821967"/>
-                  </a:lnTo>
-                  <a:lnTo>
-                    <a:pt x="1776659" y="4847029"/>
-                  </a:lnTo>
-                  <a:lnTo>
-                    <a:pt x="1857742" y="4869347"/>
-                  </a:lnTo>
-                  <a:lnTo>
-                    <a:pt x="1939537" y="4888896"/>
-                  </a:lnTo>
-                  <a:lnTo>
-                    <a:pt x="2021949" y="4905653"/>
-                  </a:lnTo>
-                  <a:lnTo>
-                    <a:pt x="2104883" y="4919599"/>
-                  </a:lnTo>
-                  <a:lnTo>
-                    <a:pt x="2188244" y="4930718"/>
-                  </a:lnTo>
-                  <a:lnTo>
-                    <a:pt x="2271934" y="4938997"/>
-                  </a:lnTo>
-                  <a:lnTo>
-                    <a:pt x="2355857" y="4944426"/>
-                  </a:lnTo>
-                  <a:lnTo>
-                    <a:pt x="2439916" y="4946999"/>
-                  </a:lnTo>
-                  <a:lnTo>
-                    <a:pt x="2524014" y="4946713"/>
-                  </a:lnTo>
-                  <a:lnTo>
-                    <a:pt x="2608054" y="4943568"/>
-                  </a:lnTo>
-                  <a:lnTo>
-                    <a:pt x="2691939" y="4937569"/>
-                  </a:lnTo>
-                  <a:lnTo>
-                    <a:pt x="2775570" y="4928721"/>
-                  </a:lnTo>
-                  <a:lnTo>
-                    <a:pt x="2858853" y="4917036"/>
-                  </a:lnTo>
-                  <a:lnTo>
-                    <a:pt x="2941691" y="4902526"/>
-                  </a:lnTo>
-                  <a:lnTo>
-                    <a:pt x="3023987" y="4885209"/>
-                  </a:lnTo>
-                  <a:lnTo>
-                    <a:pt x="3105647" y="4865104"/>
-                  </a:lnTo>
-                  <a:lnTo>
-                    <a:pt x="3186577" y="4842235"/>
-                  </a:lnTo>
-                  <a:lnTo>
-                    <a:pt x="3266682" y="4816628"/>
-                  </a:lnTo>
-                  <a:lnTo>
-                    <a:pt x="3345871" y="4788313"/>
-                  </a:lnTo>
-                  <a:lnTo>
-                    <a:pt x="3424051" y="4757322"/>
-                  </a:lnTo>
-                  <a:lnTo>
-                    <a:pt x="3501133" y="4723692"/>
-                  </a:lnTo>
-                  <a:lnTo>
-                    <a:pt x="3577026" y="4687461"/>
-                  </a:lnTo>
-                  <a:lnTo>
-                    <a:pt x="3651645" y="4648670"/>
-                  </a:lnTo>
-                  <a:lnTo>
-                    <a:pt x="3724902" y="4607366"/>
-                  </a:lnTo>
-                  <a:lnTo>
-                    <a:pt x="3796712" y="4563596"/>
-                  </a:lnTo>
-                  <a:lnTo>
-                    <a:pt x="3866993" y="4517409"/>
-                  </a:lnTo>
-                  <a:lnTo>
-                    <a:pt x="3935663" y="4468860"/>
-                  </a:lnTo>
-                  <a:lnTo>
-                    <a:pt x="4002643" y="4418005"/>
-                  </a:lnTo>
-                  <a:lnTo>
-                    <a:pt x="4067856" y="4364903"/>
-                  </a:lnTo>
-                  <a:lnTo>
-                    <a:pt x="4131226" y="4309614"/>
-                  </a:lnTo>
-                  <a:lnTo>
-                    <a:pt x="4192679" y="4252203"/>
-                  </a:lnTo>
-                  <a:lnTo>
-                    <a:pt x="4252146" y="4192737"/>
-                  </a:lnTo>
-                  <a:lnTo>
-                    <a:pt x="4309557" y="4131283"/>
-                  </a:lnTo>
-                  <a:lnTo>
-                    <a:pt x="4364846" y="4067913"/>
-                  </a:lnTo>
-                  <a:lnTo>
-                    <a:pt x="4417948" y="4002700"/>
-                  </a:lnTo>
-                  <a:lnTo>
-                    <a:pt x="4468803" y="3935720"/>
-                  </a:lnTo>
-                  <a:lnTo>
-                    <a:pt x="4517352" y="3867050"/>
-                  </a:lnTo>
-                  <a:lnTo>
-                    <a:pt x="4563538" y="3796769"/>
-                  </a:lnTo>
-                  <a:lnTo>
-                    <a:pt x="4607309" y="3724959"/>
-                  </a:lnTo>
-                  <a:lnTo>
-                    <a:pt x="4648613" y="3651702"/>
-                  </a:lnTo>
-                  <a:lnTo>
-                    <a:pt x="4687403" y="3577084"/>
-                  </a:lnTo>
-                  <a:lnTo>
-                    <a:pt x="4723635" y="3501190"/>
-                  </a:lnTo>
-                  <a:lnTo>
-                    <a:pt x="4646046" y="3465756"/>
-                  </a:lnTo>
-                  <a:lnTo>
-                    <a:pt x="4568457" y="3430322"/>
-                  </a:lnTo>
-                  <a:lnTo>
-                    <a:pt x="4490868" y="3394889"/>
-                  </a:lnTo>
-                  <a:lnTo>
-                    <a:pt x="4413279" y="3359455"/>
-                  </a:lnTo>
-                  <a:lnTo>
-                    <a:pt x="4335690" y="3324021"/>
-                  </a:lnTo>
-                  <a:lnTo>
-                    <a:pt x="4258101" y="3288588"/>
-                  </a:lnTo>
-                  <a:lnTo>
-                    <a:pt x="4180512" y="3253154"/>
-                  </a:lnTo>
-                  <a:lnTo>
-                    <a:pt x="4102923" y="3217720"/>
-                  </a:lnTo>
-                  <a:lnTo>
-                    <a:pt x="4025334" y="3182287"/>
-                  </a:lnTo>
-                  <a:lnTo>
-                    <a:pt x="3947746" y="3146853"/>
-                  </a:lnTo>
-                  <a:lnTo>
-                    <a:pt x="3870157" y="3111419"/>
-                  </a:lnTo>
-                  <a:lnTo>
-                    <a:pt x="3792568" y="3075986"/>
-                  </a:lnTo>
-                  <a:lnTo>
-                    <a:pt x="3714979" y="3040552"/>
-                  </a:lnTo>
-                  <a:lnTo>
-                    <a:pt x="3637390" y="3005118"/>
-                  </a:lnTo>
-                  <a:lnTo>
-                    <a:pt x="3559801" y="2969685"/>
-                  </a:lnTo>
-                  <a:lnTo>
-                    <a:pt x="3482212" y="2934251"/>
-                  </a:lnTo>
-                  <a:lnTo>
-                    <a:pt x="3404623" y="2898817"/>
-                  </a:lnTo>
-                  <a:lnTo>
-                    <a:pt x="3327034" y="2863384"/>
-                  </a:lnTo>
-                  <a:lnTo>
-                    <a:pt x="3249445" y="2827950"/>
-                  </a:lnTo>
-                  <a:lnTo>
-                    <a:pt x="3171856" y="2792516"/>
-                  </a:lnTo>
-                  <a:lnTo>
-                    <a:pt x="3094268" y="2757083"/>
-                  </a:lnTo>
-                  <a:lnTo>
-                    <a:pt x="3016679" y="2721649"/>
-                  </a:lnTo>
-                  <a:lnTo>
-                    <a:pt x="2939090" y="2686215"/>
-                  </a:lnTo>
-                  <a:lnTo>
-                    <a:pt x="2861501" y="2650782"/>
-                  </a:lnTo>
-                  <a:lnTo>
-                    <a:pt x="2783912" y="2615348"/>
-                  </a:lnTo>
-                  <a:lnTo>
-                    <a:pt x="2706323" y="2579914"/>
-                  </a:lnTo>
-                  <a:lnTo>
-                    <a:pt x="2628734" y="2544481"/>
-                  </a:lnTo>
-                  <a:lnTo>
-                    <a:pt x="2551145" y="2509047"/>
+                    <a:pt x="2473524" y="2388316"/>
+                  </a:lnTo>
+                  <a:lnTo>
+                    <a:pt x="2473524" y="2303019"/>
+                  </a:lnTo>
+                  <a:lnTo>
+                    <a:pt x="2473524" y="2217722"/>
+                  </a:lnTo>
+                  <a:lnTo>
+                    <a:pt x="2473524" y="2132425"/>
+                  </a:lnTo>
+                  <a:lnTo>
+                    <a:pt x="2473524" y="2047128"/>
+                  </a:lnTo>
+                  <a:lnTo>
+                    <a:pt x="2473524" y="1961831"/>
+                  </a:lnTo>
+                  <a:lnTo>
+                    <a:pt x="2473524" y="1876534"/>
+                  </a:lnTo>
+                  <a:lnTo>
+                    <a:pt x="2473524" y="1791237"/>
+                  </a:lnTo>
+                  <a:lnTo>
+                    <a:pt x="2473524" y="1705940"/>
+                  </a:lnTo>
+                  <a:lnTo>
+                    <a:pt x="2473524" y="1620643"/>
+                  </a:lnTo>
+                  <a:lnTo>
+                    <a:pt x="2473524" y="1535346"/>
+                  </a:lnTo>
+                  <a:lnTo>
+                    <a:pt x="2473524" y="1450049"/>
+                  </a:lnTo>
+                  <a:lnTo>
+                    <a:pt x="2473524" y="1364752"/>
+                  </a:lnTo>
+                  <a:lnTo>
+                    <a:pt x="2473524" y="1279455"/>
+                  </a:lnTo>
+                  <a:lnTo>
+                    <a:pt x="2473524" y="1194158"/>
+                  </a:lnTo>
+                  <a:lnTo>
+                    <a:pt x="2473524" y="1108861"/>
+                  </a:lnTo>
+                  <a:lnTo>
+                    <a:pt x="2473524" y="1023564"/>
+                  </a:lnTo>
+                  <a:lnTo>
+                    <a:pt x="2473524" y="938267"/>
+                  </a:lnTo>
+                  <a:lnTo>
+                    <a:pt x="2473524" y="852970"/>
+                  </a:lnTo>
+                  <a:lnTo>
+                    <a:pt x="2473524" y="767673"/>
+                  </a:lnTo>
+                  <a:lnTo>
+                    <a:pt x="2473524" y="682376"/>
+                  </a:lnTo>
+                  <a:lnTo>
+                    <a:pt x="2473524" y="597079"/>
+                  </a:lnTo>
+                  <a:lnTo>
+                    <a:pt x="2473524" y="511782"/>
+                  </a:lnTo>
+                  <a:lnTo>
+                    <a:pt x="2473524" y="426485"/>
+                  </a:lnTo>
+                  <a:lnTo>
+                    <a:pt x="2473524" y="341188"/>
+                  </a:lnTo>
+                  <a:lnTo>
+                    <a:pt x="2473524" y="255891"/>
+                  </a:lnTo>
+                  <a:lnTo>
+                    <a:pt x="2473524" y="170594"/>
+                  </a:lnTo>
+                  <a:lnTo>
+                    <a:pt x="2473524" y="85297"/>
+                  </a:lnTo>
+                  <a:lnTo>
+                    <a:pt x="2473524" y="0"/>
+                  </a:lnTo>
+                  <a:lnTo>
+                    <a:pt x="2389529" y="1426"/>
+                  </a:lnTo>
+                  <a:lnTo>
+                    <a:pt x="2305630" y="5704"/>
+                  </a:lnTo>
+                  <a:lnTo>
+                    <a:pt x="2221925" y="12828"/>
+                  </a:lnTo>
+                  <a:lnTo>
+                    <a:pt x="2138510" y="22791"/>
+                  </a:lnTo>
+                  <a:lnTo>
+                    <a:pt x="2055481" y="35580"/>
+                  </a:lnTo>
+                  <a:lnTo>
+                    <a:pt x="1972935" y="51182"/>
+                  </a:lnTo>
+                  <a:lnTo>
+                    <a:pt x="1890966" y="69577"/>
+                  </a:lnTo>
+                  <a:lnTo>
+                    <a:pt x="1809669" y="90745"/>
+                  </a:lnTo>
+                  <a:lnTo>
+                    <a:pt x="1729138" y="114661"/>
+                  </a:lnTo>
+                  <a:lnTo>
+                    <a:pt x="1649465" y="141299"/>
+                  </a:lnTo>
+                  <a:lnTo>
+                    <a:pt x="1570743" y="170626"/>
+                  </a:lnTo>
+                  <a:lnTo>
+                    <a:pt x="1493062" y="202609"/>
+                  </a:lnTo>
+                  <a:lnTo>
+                    <a:pt x="1416511" y="237212"/>
+                  </a:lnTo>
+                  <a:lnTo>
+                    <a:pt x="1341180" y="274395"/>
+                  </a:lnTo>
+                  <a:lnTo>
+                    <a:pt x="1267155" y="314114"/>
+                  </a:lnTo>
+                  <a:lnTo>
+                    <a:pt x="1194522" y="356323"/>
+                  </a:lnTo>
+                  <a:lnTo>
+                    <a:pt x="1123363" y="400975"/>
+                  </a:lnTo>
+                  <a:lnTo>
+                    <a:pt x="1053762" y="448017"/>
+                  </a:lnTo>
+                  <a:lnTo>
+                    <a:pt x="985798" y="497396"/>
+                  </a:lnTo>
+                  <a:lnTo>
+                    <a:pt x="919551" y="549053"/>
+                  </a:lnTo>
+                  <a:lnTo>
+                    <a:pt x="855095" y="602931"/>
+                  </a:lnTo>
+                  <a:lnTo>
+                    <a:pt x="792506" y="658966"/>
+                  </a:lnTo>
+                  <a:lnTo>
+                    <a:pt x="731856" y="717094"/>
+                  </a:lnTo>
+                  <a:lnTo>
+                    <a:pt x="673215" y="777249"/>
+                  </a:lnTo>
+                  <a:lnTo>
+                    <a:pt x="616651" y="839359"/>
+                  </a:lnTo>
+                  <a:lnTo>
+                    <a:pt x="562228" y="903355"/>
+                  </a:lnTo>
+                  <a:lnTo>
+                    <a:pt x="510009" y="969162"/>
+                  </a:lnTo>
+                  <a:lnTo>
+                    <a:pt x="460056" y="1036704"/>
+                  </a:lnTo>
+                  <a:lnTo>
+                    <a:pt x="412424" y="1105903"/>
+                  </a:lnTo>
+                  <a:lnTo>
+                    <a:pt x="367170" y="1176680"/>
+                  </a:lnTo>
+                  <a:lnTo>
+                    <a:pt x="324345" y="1248952"/>
+                  </a:lnTo>
+                  <a:lnTo>
+                    <a:pt x="283999" y="1322637"/>
+                  </a:lnTo>
+                  <a:lnTo>
+                    <a:pt x="246179" y="1397650"/>
+                  </a:lnTo>
+                  <a:lnTo>
+                    <a:pt x="210927" y="1473904"/>
+                  </a:lnTo>
+                  <a:lnTo>
+                    <a:pt x="178285" y="1551310"/>
+                  </a:lnTo>
+                  <a:lnTo>
+                    <a:pt x="148290" y="1629781"/>
+                  </a:lnTo>
+                  <a:lnTo>
+                    <a:pt x="120978" y="1709225"/>
+                  </a:lnTo>
+                  <a:lnTo>
+                    <a:pt x="96378" y="1789550"/>
+                  </a:lnTo>
+                  <a:lnTo>
+                    <a:pt x="74521" y="1870664"/>
+                  </a:lnTo>
+                  <a:lnTo>
+                    <a:pt x="55430" y="1952474"/>
+                  </a:lnTo>
+                  <a:lnTo>
+                    <a:pt x="39128" y="2034885"/>
+                  </a:lnTo>
+                  <a:lnTo>
+                    <a:pt x="25635" y="2117802"/>
+                  </a:lnTo>
+                  <a:lnTo>
+                    <a:pt x="14964" y="2201129"/>
+                  </a:lnTo>
+                  <a:lnTo>
+                    <a:pt x="7129" y="2284771"/>
+                  </a:lnTo>
+                  <a:lnTo>
+                    <a:pt x="2139" y="2368630"/>
+                  </a:lnTo>
+                  <a:lnTo>
+                    <a:pt x="0" y="2452611"/>
+                  </a:lnTo>
+                  <a:lnTo>
+                    <a:pt x="713" y="2536615"/>
+                  </a:lnTo>
+                  <a:lnTo>
+                    <a:pt x="4278" y="2620547"/>
+                  </a:lnTo>
+                  <a:lnTo>
+                    <a:pt x="10692" y="2704310"/>
+                  </a:lnTo>
+                  <a:lnTo>
+                    <a:pt x="19946" y="2787806"/>
+                  </a:lnTo>
+                  <a:lnTo>
+                    <a:pt x="32029" y="2870941"/>
+                  </a:lnTo>
+                  <a:lnTo>
+                    <a:pt x="46929" y="2953616"/>
+                  </a:lnTo>
+                  <a:lnTo>
+                    <a:pt x="64628" y="3035739"/>
+                  </a:lnTo>
+                  <a:lnTo>
+                    <a:pt x="85105" y="3117212"/>
+                  </a:lnTo>
+                  <a:lnTo>
+                    <a:pt x="108337" y="3197944"/>
+                  </a:lnTo>
+                  <a:lnTo>
+                    <a:pt x="134297" y="3277840"/>
+                  </a:lnTo>
+                  <a:lnTo>
+                    <a:pt x="162955" y="3356809"/>
+                  </a:lnTo>
+                  <a:lnTo>
+                    <a:pt x="194277" y="3434758"/>
+                  </a:lnTo>
+                  <a:lnTo>
+                    <a:pt x="228229" y="3511600"/>
+                  </a:lnTo>
+                  <a:lnTo>
+                    <a:pt x="264770" y="3587244"/>
+                  </a:lnTo>
+                  <a:lnTo>
+                    <a:pt x="303859" y="3661603"/>
+                  </a:lnTo>
+                  <a:lnTo>
+                    <a:pt x="345451" y="3734593"/>
+                  </a:lnTo>
+                  <a:lnTo>
+                    <a:pt x="389497" y="3806128"/>
+                  </a:lnTo>
+                  <a:lnTo>
+                    <a:pt x="435946" y="3876126"/>
+                  </a:lnTo>
+                  <a:lnTo>
+                    <a:pt x="484746" y="3944506"/>
+                  </a:lnTo>
+                  <a:lnTo>
+                    <a:pt x="535839" y="4011190"/>
+                  </a:lnTo>
+                  <a:lnTo>
+                    <a:pt x="589168" y="4076101"/>
+                  </a:lnTo>
+                  <a:lnTo>
+                    <a:pt x="644669" y="4139163"/>
+                  </a:lnTo>
+                  <a:lnTo>
+                    <a:pt x="702281" y="4200304"/>
+                  </a:lnTo>
+                  <a:lnTo>
+                    <a:pt x="761935" y="4259454"/>
+                  </a:lnTo>
+                  <a:lnTo>
+                    <a:pt x="823563" y="4316544"/>
+                  </a:lnTo>
+                  <a:lnTo>
+                    <a:pt x="887094" y="4371508"/>
+                  </a:lnTo>
+                  <a:lnTo>
+                    <a:pt x="952455" y="4424284"/>
+                  </a:lnTo>
+                  <a:lnTo>
+                    <a:pt x="1019570" y="4474809"/>
+                  </a:lnTo>
+                  <a:lnTo>
+                    <a:pt x="1088363" y="4523026"/>
+                  </a:lnTo>
+                  <a:lnTo>
+                    <a:pt x="1158753" y="4568880"/>
+                  </a:lnTo>
+                  <a:lnTo>
+                    <a:pt x="1230659" y="4612317"/>
+                  </a:lnTo>
+                  <a:lnTo>
+                    <a:pt x="1303999" y="4653287"/>
+                  </a:lnTo>
+                  <a:lnTo>
+                    <a:pt x="1378688" y="4691743"/>
+                  </a:lnTo>
+                  <a:lnTo>
+                    <a:pt x="1454640" y="4727641"/>
+                  </a:lnTo>
+                  <a:lnTo>
+                    <a:pt x="1531766" y="4760939"/>
+                  </a:lnTo>
+                  <a:lnTo>
+                    <a:pt x="1609979" y="4791599"/>
+                  </a:lnTo>
+                  <a:lnTo>
+                    <a:pt x="1689188" y="4819585"/>
+                  </a:lnTo>
+                  <a:lnTo>
+                    <a:pt x="1769302" y="4844866"/>
+                  </a:lnTo>
+                  <a:lnTo>
+                    <a:pt x="1850228" y="4867411"/>
+                  </a:lnTo>
+                  <a:lnTo>
+                    <a:pt x="1931873" y="4887196"/>
+                  </a:lnTo>
+                  <a:lnTo>
+                    <a:pt x="2014142" y="4904196"/>
+                  </a:lnTo>
+                  <a:lnTo>
+                    <a:pt x="2096941" y="4918394"/>
+                  </a:lnTo>
+                  <a:lnTo>
+                    <a:pt x="2180175" y="4929771"/>
+                  </a:lnTo>
+                  <a:lnTo>
+                    <a:pt x="2263747" y="4938316"/>
+                  </a:lnTo>
+                  <a:lnTo>
+                    <a:pt x="2347561" y="4944018"/>
+                  </a:lnTo>
+                  <a:lnTo>
+                    <a:pt x="2431520" y="4946871"/>
+                  </a:lnTo>
+                  <a:lnTo>
+                    <a:pt x="2515528" y="4946871"/>
+                  </a:lnTo>
+                  <a:lnTo>
+                    <a:pt x="2599487" y="4944018"/>
+                  </a:lnTo>
+                  <a:lnTo>
+                    <a:pt x="2683301" y="4938316"/>
+                  </a:lnTo>
+                  <a:lnTo>
+                    <a:pt x="2766873" y="4929771"/>
+                  </a:lnTo>
+                  <a:lnTo>
+                    <a:pt x="2850107" y="4918394"/>
+                  </a:lnTo>
+                  <a:lnTo>
+                    <a:pt x="2932906" y="4904196"/>
+                  </a:lnTo>
+                  <a:lnTo>
+                    <a:pt x="3015176" y="4887196"/>
+                  </a:lnTo>
+                  <a:lnTo>
+                    <a:pt x="3096821" y="4867411"/>
+                  </a:lnTo>
+                  <a:lnTo>
+                    <a:pt x="3177747" y="4844866"/>
+                  </a:lnTo>
+                  <a:lnTo>
+                    <a:pt x="3257860" y="4819585"/>
+                  </a:lnTo>
+                  <a:lnTo>
+                    <a:pt x="3337069" y="4791599"/>
+                  </a:lnTo>
+                  <a:lnTo>
+                    <a:pt x="3415282" y="4760939"/>
+                  </a:lnTo>
+                  <a:lnTo>
+                    <a:pt x="3492409" y="4727641"/>
+                  </a:lnTo>
+                  <a:lnTo>
+                    <a:pt x="3568361" y="4691743"/>
+                  </a:lnTo>
+                  <a:lnTo>
+                    <a:pt x="3643049" y="4653287"/>
+                  </a:lnTo>
+                  <a:lnTo>
+                    <a:pt x="3716389" y="4612317"/>
+                  </a:lnTo>
+                  <a:lnTo>
+                    <a:pt x="3788296" y="4568880"/>
+                  </a:lnTo>
+                  <a:lnTo>
+                    <a:pt x="3858686" y="4523026"/>
+                  </a:lnTo>
+                  <a:lnTo>
+                    <a:pt x="3927478" y="4474809"/>
+                  </a:lnTo>
+                  <a:lnTo>
+                    <a:pt x="3994593" y="4424284"/>
+                  </a:lnTo>
+                  <a:lnTo>
+                    <a:pt x="4059954" y="4371508"/>
+                  </a:lnTo>
+                  <a:lnTo>
+                    <a:pt x="4123486" y="4316544"/>
+                  </a:lnTo>
+                  <a:lnTo>
+                    <a:pt x="4185114" y="4259454"/>
+                  </a:lnTo>
+                  <a:lnTo>
+                    <a:pt x="4244768" y="4200304"/>
+                  </a:lnTo>
+                  <a:lnTo>
+                    <a:pt x="4302379" y="4139163"/>
+                  </a:lnTo>
+                  <a:lnTo>
+                    <a:pt x="4357881" y="4076101"/>
+                  </a:lnTo>
+                  <a:lnTo>
+                    <a:pt x="4411209" y="4011190"/>
+                  </a:lnTo>
+                  <a:lnTo>
+                    <a:pt x="4462303" y="3944506"/>
+                  </a:lnTo>
+                  <a:lnTo>
+                    <a:pt x="4511102" y="3876126"/>
+                  </a:lnTo>
+                  <a:lnTo>
+                    <a:pt x="4557552" y="3806128"/>
+                  </a:lnTo>
+                  <a:lnTo>
+                    <a:pt x="4601598" y="3734593"/>
+                  </a:lnTo>
+                  <a:lnTo>
+                    <a:pt x="4643189" y="3661603"/>
+                  </a:lnTo>
+                  <a:lnTo>
+                    <a:pt x="4682278" y="3587244"/>
+                  </a:lnTo>
+                  <a:lnTo>
+                    <a:pt x="4718819" y="3511600"/>
+                  </a:lnTo>
+                  <a:lnTo>
+                    <a:pt x="4752771" y="3434758"/>
+                  </a:lnTo>
+                  <a:lnTo>
+                    <a:pt x="4784094" y="3356809"/>
+                  </a:lnTo>
+                  <a:lnTo>
+                    <a:pt x="4812752" y="3277840"/>
+                  </a:lnTo>
+                  <a:lnTo>
+                    <a:pt x="4838712" y="3197944"/>
+                  </a:lnTo>
+                  <a:lnTo>
+                    <a:pt x="4861943" y="3117212"/>
+                  </a:lnTo>
+                  <a:lnTo>
+                    <a:pt x="4882421" y="3035739"/>
+                  </a:lnTo>
+                  <a:lnTo>
+                    <a:pt x="4900119" y="2953616"/>
+                  </a:lnTo>
+                  <a:lnTo>
+                    <a:pt x="4915019" y="2870941"/>
+                  </a:lnTo>
+                  <a:lnTo>
+                    <a:pt x="4927103" y="2787806"/>
+                  </a:lnTo>
+                  <a:lnTo>
+                    <a:pt x="4936357" y="2704310"/>
+                  </a:lnTo>
+                  <a:lnTo>
+                    <a:pt x="4942770" y="2620547"/>
+                  </a:lnTo>
+                  <a:lnTo>
+                    <a:pt x="4946336" y="2536615"/>
+                  </a:lnTo>
+                  <a:lnTo>
+                    <a:pt x="4947049" y="2452611"/>
+                  </a:lnTo>
+                  <a:lnTo>
+                    <a:pt x="4944909" y="2368630"/>
+                  </a:lnTo>
+                  <a:lnTo>
+                    <a:pt x="4939919" y="2284771"/>
+                  </a:lnTo>
+                  <a:lnTo>
+                    <a:pt x="4932084" y="2201129"/>
+                  </a:lnTo>
+                  <a:lnTo>
+                    <a:pt x="4921414" y="2117802"/>
+                  </a:lnTo>
+                  <a:lnTo>
+                    <a:pt x="4907920" y="2034885"/>
+                  </a:lnTo>
+                  <a:lnTo>
+                    <a:pt x="4891619" y="1952474"/>
+                  </a:lnTo>
+                  <a:lnTo>
+                    <a:pt x="4872528" y="1870664"/>
+                  </a:lnTo>
+                  <a:lnTo>
+                    <a:pt x="4850670" y="1789550"/>
+                  </a:lnTo>
+                  <a:lnTo>
+                    <a:pt x="4826071" y="1709225"/>
+                  </a:lnTo>
+                  <a:lnTo>
+                    <a:pt x="4798758" y="1629781"/>
+                  </a:lnTo>
+                  <a:lnTo>
+                    <a:pt x="4768763" y="1551310"/>
+                  </a:lnTo>
+                  <a:lnTo>
+                    <a:pt x="4736122" y="1473904"/>
+                  </a:lnTo>
+                  <a:lnTo>
+                    <a:pt x="4700870" y="1397650"/>
+                  </a:lnTo>
+                  <a:lnTo>
+                    <a:pt x="4663049" y="1322637"/>
+                  </a:lnTo>
+                  <a:lnTo>
+                    <a:pt x="4622703" y="1248952"/>
+                  </a:lnTo>
+                  <a:lnTo>
+                    <a:pt x="4579879" y="1176680"/>
+                  </a:lnTo>
+                  <a:lnTo>
+                    <a:pt x="4534624" y="1105903"/>
+                  </a:lnTo>
+                  <a:lnTo>
+                    <a:pt x="4486993" y="1036704"/>
+                  </a:lnTo>
+                  <a:lnTo>
+                    <a:pt x="4437039" y="969162"/>
+                  </a:lnTo>
+                  <a:lnTo>
+                    <a:pt x="4384821" y="903355"/>
+                  </a:lnTo>
+                  <a:lnTo>
+                    <a:pt x="4330398" y="839359"/>
+                  </a:lnTo>
+                  <a:lnTo>
+                    <a:pt x="4273833" y="777249"/>
+                  </a:lnTo>
+                  <a:lnTo>
+                    <a:pt x="4215192" y="717094"/>
+                  </a:lnTo>
+                  <a:lnTo>
+                    <a:pt x="4154542" y="658966"/>
+                  </a:lnTo>
+                  <a:lnTo>
+                    <a:pt x="4091953" y="602931"/>
+                  </a:lnTo>
+                  <a:lnTo>
+                    <a:pt x="4027498" y="549053"/>
+                  </a:lnTo>
+                  <a:lnTo>
+                    <a:pt x="3961250" y="497396"/>
+                  </a:lnTo>
+                  <a:lnTo>
+                    <a:pt x="3893287" y="448017"/>
+                  </a:lnTo>
+                  <a:lnTo>
+                    <a:pt x="3823685" y="400975"/>
+                  </a:lnTo>
+                  <a:lnTo>
+                    <a:pt x="3752527" y="356323"/>
+                  </a:lnTo>
+                  <a:lnTo>
+                    <a:pt x="3679893" y="314114"/>
+                  </a:lnTo>
+                  <a:lnTo>
+                    <a:pt x="3605868" y="274395"/>
+                  </a:lnTo>
+                  <a:lnTo>
+                    <a:pt x="3530537" y="237212"/>
+                  </a:lnTo>
+                  <a:lnTo>
+                    <a:pt x="3453987" y="202609"/>
+                  </a:lnTo>
+                  <a:lnTo>
+                    <a:pt x="3376306" y="170626"/>
+                  </a:lnTo>
+                  <a:lnTo>
+                    <a:pt x="3297584" y="141299"/>
+                  </a:lnTo>
+                  <a:lnTo>
+                    <a:pt x="3217911" y="114661"/>
+                  </a:lnTo>
+                  <a:lnTo>
+                    <a:pt x="3137379" y="90745"/>
+                  </a:lnTo>
+                  <a:lnTo>
+                    <a:pt x="3056082" y="69577"/>
+                  </a:lnTo>
+                  <a:lnTo>
+                    <a:pt x="2974113" y="51182"/>
+                  </a:lnTo>
+                  <a:lnTo>
+                    <a:pt x="2891567" y="35580"/>
+                  </a:lnTo>
+                  <a:lnTo>
+                    <a:pt x="2808539" y="22791"/>
+                  </a:lnTo>
+                  <a:lnTo>
+                    <a:pt x="2725124" y="12828"/>
+                  </a:lnTo>
+                  <a:lnTo>
+                    <a:pt x="2641419" y="5704"/>
+                  </a:lnTo>
+                  <a:lnTo>
+                    <a:pt x="2557520" y="1426"/>
+                  </a:lnTo>
+                  <a:lnTo>
+                    <a:pt x="2473524" y="0"/>
+                  </a:lnTo>
+                  <a:lnTo>
+                    <a:pt x="2473524" y="85297"/>
+                  </a:lnTo>
+                  <a:lnTo>
+                    <a:pt x="2473524" y="170594"/>
+                  </a:lnTo>
+                  <a:lnTo>
+                    <a:pt x="2473524" y="255891"/>
+                  </a:lnTo>
+                  <a:lnTo>
+                    <a:pt x="2473524" y="341188"/>
+                  </a:lnTo>
+                  <a:lnTo>
+                    <a:pt x="2473524" y="426485"/>
+                  </a:lnTo>
+                  <a:lnTo>
+                    <a:pt x="2473524" y="511782"/>
+                  </a:lnTo>
+                  <a:lnTo>
+                    <a:pt x="2473524" y="597079"/>
+                  </a:lnTo>
+                  <a:lnTo>
+                    <a:pt x="2473524" y="682376"/>
+                  </a:lnTo>
+                  <a:lnTo>
+                    <a:pt x="2473524" y="767673"/>
+                  </a:lnTo>
+                  <a:lnTo>
+                    <a:pt x="2473524" y="852970"/>
+                  </a:lnTo>
+                  <a:lnTo>
+                    <a:pt x="2473524" y="938267"/>
+                  </a:lnTo>
+                  <a:lnTo>
+                    <a:pt x="2473524" y="1023564"/>
+                  </a:lnTo>
+                  <a:lnTo>
+                    <a:pt x="2473524" y="1108861"/>
+                  </a:lnTo>
+                  <a:lnTo>
+                    <a:pt x="2473524" y="1194158"/>
+                  </a:lnTo>
+                  <a:lnTo>
+                    <a:pt x="2473524" y="1279455"/>
+                  </a:lnTo>
+                  <a:lnTo>
+                    <a:pt x="2473524" y="1364752"/>
+                  </a:lnTo>
+                  <a:lnTo>
+                    <a:pt x="2473524" y="1450049"/>
+                  </a:lnTo>
+                  <a:lnTo>
+                    <a:pt x="2473524" y="1535346"/>
+                  </a:lnTo>
+                  <a:lnTo>
+                    <a:pt x="2473524" y="1620643"/>
+                  </a:lnTo>
+                  <a:lnTo>
+                    <a:pt x="2473524" y="1705940"/>
+                  </a:lnTo>
+                  <a:lnTo>
+                    <a:pt x="2473524" y="1791237"/>
+                  </a:lnTo>
+                  <a:lnTo>
+                    <a:pt x="2473524" y="1876534"/>
+                  </a:lnTo>
+                  <a:lnTo>
+                    <a:pt x="2473524" y="1961831"/>
+                  </a:lnTo>
+                  <a:lnTo>
+                    <a:pt x="2473524" y="2047128"/>
+                  </a:lnTo>
+                  <a:lnTo>
+                    <a:pt x="2473524" y="2132425"/>
+                  </a:lnTo>
+                  <a:lnTo>
+                    <a:pt x="2473524" y="2217722"/>
+                  </a:lnTo>
+                  <a:lnTo>
+                    <a:pt x="2473524" y="2303019"/>
+                  </a:lnTo>
+                  <a:lnTo>
+                    <a:pt x="2473524" y="2388316"/>
                   </a:lnTo>
                   <a:close/>
                 </a:path>
@@ -3275,105 +3061,13 @@
         </p:sp>
         <p:sp>
           <p:nvSpPr>
-            <p:cNvPr id="7" name="tx6"/>
+            <p:cNvPr id="6" name="tx5"/>
             <p:cNvSpPr/>
             <p:nvPr/>
           </p:nvSpPr>
           <p:spPr>
             <a:xfrm>
-              <a:off x="5876332" y="3272432"/>
-              <a:ext cx="1301071" cy="203576"/>
-            </a:xfrm>
-            <a:prstGeom prst="rect">
-              <a:avLst/>
-            </a:prstGeom>
-            <a:noFill/>
-          </p:spPr>
-          <p:txBody>
-            <a:bodyPr lIns="0" rIns="0" tIns="0" bIns="0" anchorCtr="1" anchor="ctr" wrap="none"/>
-            <a:lstStyle/>
-            <a:p>
-              <a:pPr algn="l" marL="0" marR="0" indent="0">
-                <a:lnSpc>
-                  <a:spcPts val="1707"/>
-                </a:lnSpc>
-                <a:spcBef>
-                  <a:spcPts val="0"/>
-                </a:spcBef>
-                <a:spcAft>
-                  <a:spcPts val="0"/>
-                </a:spcAft>
-              </a:pPr>
-              <a:r>
-                <a:rPr sz="1707">
-                  <a:solidFill>
-                    <a:srgbClr val="000000">
-                      <a:alpha val="100000"/>
-                    </a:srgbClr>
-                  </a:solidFill>
-                  <a:latin typeface="Arial"/>
-                  <a:cs typeface="Arial"/>
-                </a:rPr>
-                <a:t>TORC1 Only </a:t>
-              </a:r>
-            </a:p>
-          </p:txBody>
-        </p:sp>
-        <p:sp>
-          <p:nvSpPr>
-            <p:cNvPr id="8" name="tx7"/>
-            <p:cNvSpPr/>
-            <p:nvPr/>
-          </p:nvSpPr>
-          <p:spPr>
-            <a:xfrm>
-              <a:off x="6436460" y="3635030"/>
-              <a:ext cx="180816" cy="153185"/>
-            </a:xfrm>
-            <a:prstGeom prst="rect">
-              <a:avLst/>
-            </a:prstGeom>
-            <a:noFill/>
-          </p:spPr>
-          <p:txBody>
-            <a:bodyPr lIns="0" rIns="0" tIns="0" bIns="0" anchorCtr="1" anchor="ctr" wrap="none"/>
-            <a:lstStyle/>
-            <a:p>
-              <a:pPr algn="l" marL="0" marR="0" indent="0">
-                <a:lnSpc>
-                  <a:spcPts val="1707"/>
-                </a:lnSpc>
-                <a:spcBef>
-                  <a:spcPts val="0"/>
-                </a:spcBef>
-                <a:spcAft>
-                  <a:spcPts val="0"/>
-                </a:spcAft>
-              </a:pPr>
-              <a:r>
-                <a:rPr sz="1707">
-                  <a:solidFill>
-                    <a:srgbClr val="000000">
-                      <a:alpha val="100000"/>
-                    </a:srgbClr>
-                  </a:solidFill>
-                  <a:latin typeface="Arial"/>
-                  <a:cs typeface="Arial"/>
-                </a:rPr>
-                <a:t> 7</a:t>
-              </a:r>
-            </a:p>
-          </p:txBody>
-        </p:sp>
-        <p:sp>
-          <p:nvSpPr>
-            <p:cNvPr id="9" name="tx8"/>
-            <p:cNvSpPr/>
-            <p:nvPr/>
-          </p:nvSpPr>
-          <p:spPr>
-            <a:xfrm>
-              <a:off x="3548467" y="4651797"/>
+              <a:off x="4588935" y="5219935"/>
               <a:ext cx="1794928" cy="161548"/>
             </a:xfrm>
             <a:prstGeom prst="rect">
@@ -3413,14 +3107,14 @@
         </p:sp>
         <p:sp>
           <p:nvSpPr>
-            <p:cNvPr id="10" name="tx9"/>
+            <p:cNvPr id="7" name="tx6"/>
             <p:cNvSpPr/>
             <p:nvPr/>
           </p:nvSpPr>
           <p:spPr>
             <a:xfrm>
-              <a:off x="4295234" y="4967073"/>
-              <a:ext cx="301395" cy="158478"/>
+              <a:off x="5148904" y="5530130"/>
+              <a:ext cx="674990" cy="163560"/>
             </a:xfrm>
             <a:prstGeom prst="rect">
               <a:avLst/>
@@ -3452,14 +3146,14 @@
                   <a:latin typeface="Arial"/>
                   <a:cs typeface="Arial"/>
                 </a:rPr>
-                <a:t> 15</a:t>
+                <a:t> 100 %</a:t>
               </a:r>
             </a:p>
           </p:txBody>
         </p:sp>
         <p:sp>
           <p:nvSpPr>
-            <p:cNvPr id="11" name="tx10"/>
+            <p:cNvPr id="8" name="tx7"/>
             <p:cNvSpPr/>
             <p:nvPr/>
           </p:nvSpPr>

--- a/Images/Figures_PPT/ComponentsMetamonadaPieChart.pptx
+++ b/Images/Figures_PPT/ComponentsMetamonadaPieChart.pptx
@@ -3160,7 +3160,7 @@
           <p:spPr>
             <a:xfrm>
               <a:off x="2394382" y="942733"/>
-              <a:ext cx="2863222" cy="152251"/>
+              <a:ext cx="2048514" cy="152251"/>
             </a:xfrm>
             <a:prstGeom prst="rect">
               <a:avLst/>
@@ -3192,7 +3192,7 @@
                   <a:latin typeface="Times New Roman"/>
                   <a:cs typeface="Times New Roman"/>
                 </a:rPr>
-                <a:t>TOR Complexes Breakdown Metamonada</a:t>
+                <a:t>TOR Complexes Metamonada</a:t>
               </a:r>
             </a:p>
           </p:txBody>
